--- a/DOCUMENTS/10月20日プレゼン未完成.pptx
+++ b/DOCUMENTS/10月20日プレゼン未完成.pptx
@@ -296,7 +296,7 @@
           <a:p>
             <a:fld id="{6E118725-2BFC-4C86-A74A-4538B978A8BC}" type="datetimeFigureOut">
               <a:rPr kumimoji="1" lang="ja-JP" altLang="en-US" smtClean="0"/>
-              <a:t>2015/10/20</a:t>
+              <a:t>2015/10/23</a:t>
             </a:fld>
             <a:endParaRPr kumimoji="1" lang="ja-JP" altLang="en-US"/>
           </a:p>
@@ -498,7 +498,7 @@
           <a:p>
             <a:fld id="{6E118725-2BFC-4C86-A74A-4538B978A8BC}" type="datetimeFigureOut">
               <a:rPr kumimoji="1" lang="ja-JP" altLang="en-US" smtClean="0"/>
-              <a:t>2015/10/20</a:t>
+              <a:t>2015/10/23</a:t>
             </a:fld>
             <a:endParaRPr kumimoji="1" lang="ja-JP" altLang="en-US"/>
           </a:p>
@@ -710,7 +710,7 @@
           <a:p>
             <a:fld id="{6E118725-2BFC-4C86-A74A-4538B978A8BC}" type="datetimeFigureOut">
               <a:rPr kumimoji="1" lang="ja-JP" altLang="en-US" smtClean="0"/>
-              <a:t>2015/10/20</a:t>
+              <a:t>2015/10/23</a:t>
             </a:fld>
             <a:endParaRPr kumimoji="1" lang="ja-JP" altLang="en-US"/>
           </a:p>
@@ -912,7 +912,7 @@
           <a:p>
             <a:fld id="{6E118725-2BFC-4C86-A74A-4538B978A8BC}" type="datetimeFigureOut">
               <a:rPr kumimoji="1" lang="ja-JP" altLang="en-US" smtClean="0"/>
-              <a:t>2015/10/20</a:t>
+              <a:t>2015/10/23</a:t>
             </a:fld>
             <a:endParaRPr kumimoji="1" lang="ja-JP" altLang="en-US"/>
           </a:p>
@@ -1158,7 +1158,7 @@
           <a:p>
             <a:fld id="{6E118725-2BFC-4C86-A74A-4538B978A8BC}" type="datetimeFigureOut">
               <a:rPr kumimoji="1" lang="ja-JP" altLang="en-US" smtClean="0"/>
-              <a:t>2015/10/20</a:t>
+              <a:t>2015/10/23</a:t>
             </a:fld>
             <a:endParaRPr kumimoji="1" lang="ja-JP" altLang="en-US"/>
           </a:p>
@@ -1510,7 +1510,7 @@
           <a:p>
             <a:fld id="{6E118725-2BFC-4C86-A74A-4538B978A8BC}" type="datetimeFigureOut">
               <a:rPr kumimoji="1" lang="ja-JP" altLang="en-US" smtClean="0"/>
-              <a:t>2015/10/20</a:t>
+              <a:t>2015/10/23</a:t>
             </a:fld>
             <a:endParaRPr kumimoji="1" lang="ja-JP" altLang="en-US"/>
           </a:p>
@@ -1996,7 +1996,7 @@
           <a:p>
             <a:fld id="{6E118725-2BFC-4C86-A74A-4538B978A8BC}" type="datetimeFigureOut">
               <a:rPr kumimoji="1" lang="ja-JP" altLang="en-US" smtClean="0"/>
-              <a:t>2015/10/20</a:t>
+              <a:t>2015/10/23</a:t>
             </a:fld>
             <a:endParaRPr kumimoji="1" lang="ja-JP" altLang="en-US"/>
           </a:p>
@@ -2114,7 +2114,7 @@
           <a:p>
             <a:fld id="{6E118725-2BFC-4C86-A74A-4538B978A8BC}" type="datetimeFigureOut">
               <a:rPr kumimoji="1" lang="ja-JP" altLang="en-US" smtClean="0"/>
-              <a:t>2015/10/20</a:t>
+              <a:t>2015/10/23</a:t>
             </a:fld>
             <a:endParaRPr kumimoji="1" lang="ja-JP" altLang="en-US"/>
           </a:p>
@@ -2209,7 +2209,7 @@
           <a:p>
             <a:fld id="{6E118725-2BFC-4C86-A74A-4538B978A8BC}" type="datetimeFigureOut">
               <a:rPr kumimoji="1" lang="ja-JP" altLang="en-US" smtClean="0"/>
-              <a:t>2015/10/20</a:t>
+              <a:t>2015/10/23</a:t>
             </a:fld>
             <a:endParaRPr kumimoji="1" lang="ja-JP" altLang="en-US"/>
           </a:p>
@@ -2518,7 +2518,7 @@
           <a:p>
             <a:fld id="{6E118725-2BFC-4C86-A74A-4538B978A8BC}" type="datetimeFigureOut">
               <a:rPr kumimoji="1" lang="ja-JP" altLang="en-US" smtClean="0"/>
-              <a:t>2015/10/20</a:t>
+              <a:t>2015/10/23</a:t>
             </a:fld>
             <a:endParaRPr kumimoji="1" lang="ja-JP" altLang="en-US"/>
           </a:p>
@@ -2771,7 +2771,7 @@
           <a:p>
             <a:fld id="{6E118725-2BFC-4C86-A74A-4538B978A8BC}" type="datetimeFigureOut">
               <a:rPr kumimoji="1" lang="ja-JP" altLang="en-US" smtClean="0"/>
-              <a:t>2015/10/20</a:t>
+              <a:t>2015/10/23</a:t>
             </a:fld>
             <a:endParaRPr kumimoji="1" lang="ja-JP" altLang="en-US"/>
           </a:p>
@@ -3016,7 +3016,7 @@
           <a:p>
             <a:fld id="{6E118725-2BFC-4C86-A74A-4538B978A8BC}" type="datetimeFigureOut">
               <a:rPr kumimoji="1" lang="ja-JP" altLang="en-US" smtClean="0"/>
-              <a:t>2015/10/20</a:t>
+              <a:t>2015/10/23</a:t>
             </a:fld>
             <a:endParaRPr kumimoji="1" lang="ja-JP" altLang="en-US"/>
           </a:p>
@@ -3447,6 +3447,13 @@
   <p:clrMapOvr>
     <a:masterClrMapping/>
   </p:clrMapOvr>
+  <p:timing>
+    <p:tnLst>
+      <p:par>
+        <p:cTn id="1" dur="indefinite" restart="never" nodeType="tmRoot"/>
+      </p:par>
+    </p:tnLst>
+  </p:timing>
 </p:sld>
 </file>
 
@@ -3523,6 +3530,13 @@
   <p:clrMapOvr>
     <a:masterClrMapping/>
   </p:clrMapOvr>
+  <p:timing>
+    <p:tnLst>
+      <p:par>
+        <p:cTn id="1" dur="indefinite" restart="never" nodeType="tmRoot"/>
+      </p:par>
+    </p:tnLst>
+  </p:timing>
 </p:sld>
 </file>
 
@@ -3727,6 +3741,13 @@
   <p:clrMapOvr>
     <a:masterClrMapping/>
   </p:clrMapOvr>
+  <p:timing>
+    <p:tnLst>
+      <p:par>
+        <p:cTn id="1" dur="indefinite" restart="never" nodeType="tmRoot"/>
+      </p:par>
+    </p:tnLst>
+  </p:timing>
 </p:sld>
 </file>
 
@@ -3953,6 +3974,13 @@
   <p:clrMapOvr>
     <a:masterClrMapping/>
   </p:clrMapOvr>
+  <p:timing>
+    <p:tnLst>
+      <p:par>
+        <p:cTn id="1" dur="indefinite" restart="never" nodeType="tmRoot"/>
+      </p:par>
+    </p:tnLst>
+  </p:timing>
 </p:sld>
 </file>
 
@@ -4177,6 +4205,13 @@
   <p:clrMapOvr>
     <a:masterClrMapping/>
   </p:clrMapOvr>
+  <p:timing>
+    <p:tnLst>
+      <p:par>
+        <p:cTn id="1" dur="indefinite" restart="never" nodeType="tmRoot"/>
+      </p:par>
+    </p:tnLst>
+  </p:timing>
 </p:sld>
 </file>
 
@@ -4291,6 +4326,13 @@
   <p:clrMapOvr>
     <a:masterClrMapping/>
   </p:clrMapOvr>
+  <p:timing>
+    <p:tnLst>
+      <p:par>
+        <p:cTn id="1" dur="indefinite" restart="never" nodeType="tmRoot"/>
+      </p:par>
+    </p:tnLst>
+  </p:timing>
 </p:sld>
 </file>
 
@@ -4439,6 +4481,13 @@
   <p:clrMapOvr>
     <a:masterClrMapping/>
   </p:clrMapOvr>
+  <p:timing>
+    <p:tnLst>
+      <p:par>
+        <p:cTn id="1" dur="indefinite" restart="never" nodeType="tmRoot"/>
+      </p:par>
+    </p:tnLst>
+  </p:timing>
 </p:sld>
 </file>
 
@@ -4568,6 +4617,13 @@
   <p:clrMapOvr>
     <a:masterClrMapping/>
   </p:clrMapOvr>
+  <p:timing>
+    <p:tnLst>
+      <p:par>
+        <p:cTn id="1" dur="indefinite" restart="never" nodeType="tmRoot"/>
+      </p:par>
+    </p:tnLst>
+  </p:timing>
 </p:sld>
 </file>
 
@@ -4640,6 +4696,13 @@
   <p:clrMapOvr>
     <a:masterClrMapping/>
   </p:clrMapOvr>
+  <p:timing>
+    <p:tnLst>
+      <p:par>
+        <p:cTn id="1" dur="indefinite" restart="never" nodeType="tmRoot"/>
+      </p:par>
+    </p:tnLst>
+  </p:timing>
 </p:sld>
 </file>
 
